--- a/slides/02_git_github.pptx
+++ b/slides/02_git_github.pptx
@@ -4,6 +4,9 @@
   <p:sldMasterIdLst>
     <p:sldMasterId id="2147483648" r:id="rId1"/>
   </p:sldMasterIdLst>
+  <p:notesMasterIdLst>
+    <p:notesMasterId r:id="rId38"/>
+  </p:notesMasterIdLst>
   <p:sldIdLst>
     <p:sldId id="256" r:id="rId2"/>
     <p:sldId id="257" r:id="rId3"/>
@@ -142,6 +145,440 @@
 </p:presentation>
 </file>
 
+<file path=ppt/notesMasters/notesMaster1.xml><?xml version="1.0" encoding="utf-8"?>
+<p:notesMaster xmlns:a="http://schemas.openxmlformats.org/drawingml/2006/main" xmlns:r="http://schemas.openxmlformats.org/officeDocument/2006/relationships" xmlns:p="http://schemas.openxmlformats.org/presentationml/2006/main">
+  <p:cSld>
+    <p:bg>
+      <p:bgRef idx="1001">
+        <a:schemeClr val="bg1"/>
+      </p:bgRef>
+    </p:bg>
+    <p:spTree>
+      <p:nvGrpSpPr>
+        <p:cNvPr id="1" name=""/>
+        <p:cNvGrpSpPr/>
+        <p:nvPr/>
+      </p:nvGrpSpPr>
+      <p:grpSpPr>
+        <a:xfrm>
+          <a:off x="0" y="0"/>
+          <a:ext cx="0" cy="0"/>
+          <a:chOff x="0" y="0"/>
+          <a:chExt cx="0" cy="0"/>
+        </a:xfrm>
+      </p:grpSpPr>
+      <p:sp>
+        <p:nvSpPr>
+          <p:cNvPr id="2" name="Header Placeholder 1"/>
+          <p:cNvSpPr>
+            <a:spLocks noGrp="1"/>
+          </p:cNvSpPr>
+          <p:nvPr>
+            <p:ph type="hdr" sz="quarter"/>
+          </p:nvPr>
+        </p:nvSpPr>
+        <p:spPr>
+          <a:xfrm>
+            <a:off x="0" y="0"/>
+            <a:ext cx="2971800" cy="457200"/>
+          </a:xfrm>
+          <a:prstGeom prst="rect">
+            <a:avLst/>
+          </a:prstGeom>
+        </p:spPr>
+        <p:txBody>
+          <a:bodyPr vert="horz" lIns="91440" tIns="45720" rIns="91440" bIns="45720" rtlCol="0"/>
+          <a:lstStyle>
+            <a:lvl1pPr algn="l">
+              <a:defRPr sz="1200"/>
+            </a:lvl1pPr>
+          </a:lstStyle>
+          <a:p>
+            <a:endParaRPr lang="en-US"/>
+          </a:p>
+        </p:txBody>
+      </p:sp>
+      <p:sp>
+        <p:nvSpPr>
+          <p:cNvPr id="3" name="Date Placeholder 2"/>
+          <p:cNvSpPr>
+            <a:spLocks noGrp="1"/>
+          </p:cNvSpPr>
+          <p:nvPr>
+            <p:ph type="dt" idx="1"/>
+          </p:nvPr>
+        </p:nvSpPr>
+        <p:spPr>
+          <a:xfrm>
+            <a:off x="3884613" y="0"/>
+            <a:ext cx="2971800" cy="457200"/>
+          </a:xfrm>
+          <a:prstGeom prst="rect">
+            <a:avLst/>
+          </a:prstGeom>
+        </p:spPr>
+        <p:txBody>
+          <a:bodyPr vert="horz" lIns="91440" tIns="45720" rIns="91440" bIns="45720" rtlCol="0"/>
+          <a:lstStyle>
+            <a:lvl1pPr algn="r">
+              <a:defRPr sz="1200"/>
+            </a:lvl1pPr>
+          </a:lstStyle>
+          <a:p>
+            <a:fld id="{8005929B-EE99-CF45-AC69-BDE319EEE3FD}" type="datetimeFigureOut">
+              <a:rPr lang="en-US" smtClean="0"/>
+              <a:t>10/17/15</a:t>
+            </a:fld>
+            <a:endParaRPr lang="en-US"/>
+          </a:p>
+        </p:txBody>
+      </p:sp>
+      <p:sp>
+        <p:nvSpPr>
+          <p:cNvPr id="4" name="Slide Image Placeholder 3"/>
+          <p:cNvSpPr>
+            <a:spLocks noGrp="1" noRot="1" noChangeAspect="1"/>
+          </p:cNvSpPr>
+          <p:nvPr>
+            <p:ph type="sldImg" idx="2"/>
+          </p:nvPr>
+        </p:nvSpPr>
+        <p:spPr>
+          <a:xfrm>
+            <a:off x="1143000" y="685800"/>
+            <a:ext cx="4572000" cy="3429000"/>
+          </a:xfrm>
+          <a:prstGeom prst="rect">
+            <a:avLst/>
+          </a:prstGeom>
+          <a:noFill/>
+          <a:ln w="12700">
+            <a:solidFill>
+              <a:prstClr val="black"/>
+            </a:solidFill>
+          </a:ln>
+        </p:spPr>
+        <p:txBody>
+          <a:bodyPr vert="horz" lIns="91440" tIns="45720" rIns="91440" bIns="45720" rtlCol="0" anchor="ctr"/>
+          <a:lstStyle/>
+          <a:p>
+            <a:endParaRPr lang="en-US"/>
+          </a:p>
+        </p:txBody>
+      </p:sp>
+      <p:sp>
+        <p:nvSpPr>
+          <p:cNvPr id="5" name="Notes Placeholder 4"/>
+          <p:cNvSpPr>
+            <a:spLocks noGrp="1"/>
+          </p:cNvSpPr>
+          <p:nvPr>
+            <p:ph type="body" sz="quarter" idx="3"/>
+          </p:nvPr>
+        </p:nvSpPr>
+        <p:spPr>
+          <a:xfrm>
+            <a:off x="685800" y="4343400"/>
+            <a:ext cx="5486400" cy="4114800"/>
+          </a:xfrm>
+          <a:prstGeom prst="rect">
+            <a:avLst/>
+          </a:prstGeom>
+        </p:spPr>
+        <p:txBody>
+          <a:bodyPr vert="horz" lIns="91440" tIns="45720" rIns="91440" bIns="45720" rtlCol="0"/>
+          <a:lstStyle/>
+          <a:p>
+            <a:pPr lvl="0"/>
+            <a:r>
+              <a:rPr lang="en-US" smtClean="0"/>
+              <a:t>Click to edit Master text styles</a:t>
+            </a:r>
+          </a:p>
+          <a:p>
+            <a:pPr lvl="1"/>
+            <a:r>
+              <a:rPr lang="en-US" smtClean="0"/>
+              <a:t>Second level</a:t>
+            </a:r>
+          </a:p>
+          <a:p>
+            <a:pPr lvl="2"/>
+            <a:r>
+              <a:rPr lang="en-US" smtClean="0"/>
+              <a:t>Third level</a:t>
+            </a:r>
+          </a:p>
+          <a:p>
+            <a:pPr lvl="3"/>
+            <a:r>
+              <a:rPr lang="en-US" smtClean="0"/>
+              <a:t>Fourth level</a:t>
+            </a:r>
+          </a:p>
+          <a:p>
+            <a:pPr lvl="4"/>
+            <a:r>
+              <a:rPr lang="en-US" smtClean="0"/>
+              <a:t>Fifth level</a:t>
+            </a:r>
+            <a:endParaRPr lang="en-US"/>
+          </a:p>
+        </p:txBody>
+      </p:sp>
+      <p:sp>
+        <p:nvSpPr>
+          <p:cNvPr id="6" name="Footer Placeholder 5"/>
+          <p:cNvSpPr>
+            <a:spLocks noGrp="1"/>
+          </p:cNvSpPr>
+          <p:nvPr>
+            <p:ph type="ftr" sz="quarter" idx="4"/>
+          </p:nvPr>
+        </p:nvSpPr>
+        <p:spPr>
+          <a:xfrm>
+            <a:off x="0" y="8685213"/>
+            <a:ext cx="2971800" cy="457200"/>
+          </a:xfrm>
+          <a:prstGeom prst="rect">
+            <a:avLst/>
+          </a:prstGeom>
+        </p:spPr>
+        <p:txBody>
+          <a:bodyPr vert="horz" lIns="91440" tIns="45720" rIns="91440" bIns="45720" rtlCol="0" anchor="b"/>
+          <a:lstStyle>
+            <a:lvl1pPr algn="l">
+              <a:defRPr sz="1200"/>
+            </a:lvl1pPr>
+          </a:lstStyle>
+          <a:p>
+            <a:endParaRPr lang="en-US"/>
+          </a:p>
+        </p:txBody>
+      </p:sp>
+      <p:sp>
+        <p:nvSpPr>
+          <p:cNvPr id="7" name="Slide Number Placeholder 6"/>
+          <p:cNvSpPr>
+            <a:spLocks noGrp="1"/>
+          </p:cNvSpPr>
+          <p:nvPr>
+            <p:ph type="sldNum" sz="quarter" idx="5"/>
+          </p:nvPr>
+        </p:nvSpPr>
+        <p:spPr>
+          <a:xfrm>
+            <a:off x="3884613" y="8685213"/>
+            <a:ext cx="2971800" cy="457200"/>
+          </a:xfrm>
+          <a:prstGeom prst="rect">
+            <a:avLst/>
+          </a:prstGeom>
+        </p:spPr>
+        <p:txBody>
+          <a:bodyPr vert="horz" lIns="91440" tIns="45720" rIns="91440" bIns="45720" rtlCol="0" anchor="b"/>
+          <a:lstStyle>
+            <a:lvl1pPr algn="r">
+              <a:defRPr sz="1200"/>
+            </a:lvl1pPr>
+          </a:lstStyle>
+          <a:p>
+            <a:fld id="{026060C7-6C3F-1B40-9672-C54A40C23EF0}" type="slidenum">
+              <a:rPr lang="en-US" smtClean="0"/>
+              <a:t>‹#›</a:t>
+            </a:fld>
+            <a:endParaRPr lang="en-US"/>
+          </a:p>
+        </p:txBody>
+      </p:sp>
+    </p:spTree>
+    <p:extLst>
+      <p:ext uri="{BB962C8B-B14F-4D97-AF65-F5344CB8AC3E}">
+        <p14:creationId xmlns:p14="http://schemas.microsoft.com/office/powerpoint/2010/main" val="4100675585"/>
+      </p:ext>
+    </p:extLst>
+  </p:cSld>
+  <p:clrMap bg1="lt1" tx1="dk1" bg2="lt2" tx2="dk2" accent1="accent1" accent2="accent2" accent3="accent3" accent4="accent4" accent5="accent5" accent6="accent6" hlink="hlink" folHlink="folHlink"/>
+  <p:notesStyle>
+    <a:lvl1pPr marL="0" algn="l" defTabSz="457200" rtl="0" eaLnBrk="1" latinLnBrk="0" hangingPunct="1">
+      <a:defRPr sz="1200" kern="1200">
+        <a:solidFill>
+          <a:schemeClr val="tx1"/>
+        </a:solidFill>
+        <a:latin typeface="+mn-lt"/>
+        <a:ea typeface="+mn-ea"/>
+        <a:cs typeface="+mn-cs"/>
+      </a:defRPr>
+    </a:lvl1pPr>
+    <a:lvl2pPr marL="457200" algn="l" defTabSz="457200" rtl="0" eaLnBrk="1" latinLnBrk="0" hangingPunct="1">
+      <a:defRPr sz="1200" kern="1200">
+        <a:solidFill>
+          <a:schemeClr val="tx1"/>
+        </a:solidFill>
+        <a:latin typeface="+mn-lt"/>
+        <a:ea typeface="+mn-ea"/>
+        <a:cs typeface="+mn-cs"/>
+      </a:defRPr>
+    </a:lvl2pPr>
+    <a:lvl3pPr marL="914400" algn="l" defTabSz="457200" rtl="0" eaLnBrk="1" latinLnBrk="0" hangingPunct="1">
+      <a:defRPr sz="1200" kern="1200">
+        <a:solidFill>
+          <a:schemeClr val="tx1"/>
+        </a:solidFill>
+        <a:latin typeface="+mn-lt"/>
+        <a:ea typeface="+mn-ea"/>
+        <a:cs typeface="+mn-cs"/>
+      </a:defRPr>
+    </a:lvl3pPr>
+    <a:lvl4pPr marL="1371600" algn="l" defTabSz="457200" rtl="0" eaLnBrk="1" latinLnBrk="0" hangingPunct="1">
+      <a:defRPr sz="1200" kern="1200">
+        <a:solidFill>
+          <a:schemeClr val="tx1"/>
+        </a:solidFill>
+        <a:latin typeface="+mn-lt"/>
+        <a:ea typeface="+mn-ea"/>
+        <a:cs typeface="+mn-cs"/>
+      </a:defRPr>
+    </a:lvl4pPr>
+    <a:lvl5pPr marL="1828800" algn="l" defTabSz="457200" rtl="0" eaLnBrk="1" latinLnBrk="0" hangingPunct="1">
+      <a:defRPr sz="1200" kern="1200">
+        <a:solidFill>
+          <a:schemeClr val="tx1"/>
+        </a:solidFill>
+        <a:latin typeface="+mn-lt"/>
+        <a:ea typeface="+mn-ea"/>
+        <a:cs typeface="+mn-cs"/>
+      </a:defRPr>
+    </a:lvl5pPr>
+    <a:lvl6pPr marL="2286000" algn="l" defTabSz="457200" rtl="0" eaLnBrk="1" latinLnBrk="0" hangingPunct="1">
+      <a:defRPr sz="1200" kern="1200">
+        <a:solidFill>
+          <a:schemeClr val="tx1"/>
+        </a:solidFill>
+        <a:latin typeface="+mn-lt"/>
+        <a:ea typeface="+mn-ea"/>
+        <a:cs typeface="+mn-cs"/>
+      </a:defRPr>
+    </a:lvl6pPr>
+    <a:lvl7pPr marL="2743200" algn="l" defTabSz="457200" rtl="0" eaLnBrk="1" latinLnBrk="0" hangingPunct="1">
+      <a:defRPr sz="1200" kern="1200">
+        <a:solidFill>
+          <a:schemeClr val="tx1"/>
+        </a:solidFill>
+        <a:latin typeface="+mn-lt"/>
+        <a:ea typeface="+mn-ea"/>
+        <a:cs typeface="+mn-cs"/>
+      </a:defRPr>
+    </a:lvl7pPr>
+    <a:lvl8pPr marL="3200400" algn="l" defTabSz="457200" rtl="0" eaLnBrk="1" latinLnBrk="0" hangingPunct="1">
+      <a:defRPr sz="1200" kern="1200">
+        <a:solidFill>
+          <a:schemeClr val="tx1"/>
+        </a:solidFill>
+        <a:latin typeface="+mn-lt"/>
+        <a:ea typeface="+mn-ea"/>
+        <a:cs typeface="+mn-cs"/>
+      </a:defRPr>
+    </a:lvl8pPr>
+    <a:lvl9pPr marL="3657600" algn="l" defTabSz="457200" rtl="0" eaLnBrk="1" latinLnBrk="0" hangingPunct="1">
+      <a:defRPr sz="1200" kern="1200">
+        <a:solidFill>
+          <a:schemeClr val="tx1"/>
+        </a:solidFill>
+        <a:latin typeface="+mn-lt"/>
+        <a:ea typeface="+mn-ea"/>
+        <a:cs typeface="+mn-cs"/>
+      </a:defRPr>
+    </a:lvl9pPr>
+  </p:notesStyle>
+</p:notesMaster>
+</file>
+
+<file path=ppt/notesSlides/notesSlide1.xml><?xml version="1.0" encoding="utf-8"?>
+<p:notes xmlns:a="http://schemas.openxmlformats.org/drawingml/2006/main" xmlns:r="http://schemas.openxmlformats.org/officeDocument/2006/relationships" xmlns:p="http://schemas.openxmlformats.org/presentationml/2006/main">
+  <p:cSld>
+    <p:spTree>
+      <p:nvGrpSpPr>
+        <p:cNvPr id="1" name=""/>
+        <p:cNvGrpSpPr/>
+        <p:nvPr/>
+      </p:nvGrpSpPr>
+      <p:grpSpPr>
+        <a:xfrm>
+          <a:off x="0" y="0"/>
+          <a:ext cx="0" cy="0"/>
+          <a:chOff x="0" y="0"/>
+          <a:chExt cx="0" cy="0"/>
+        </a:xfrm>
+      </p:grpSpPr>
+      <p:sp>
+        <p:nvSpPr>
+          <p:cNvPr id="2" name="Slide Image Placeholder 1"/>
+          <p:cNvSpPr>
+            <a:spLocks noGrp="1" noRot="1" noChangeAspect="1"/>
+          </p:cNvSpPr>
+          <p:nvPr>
+            <p:ph type="sldImg"/>
+          </p:nvPr>
+        </p:nvSpPr>
+        <p:spPr/>
+      </p:sp>
+      <p:sp>
+        <p:nvSpPr>
+          <p:cNvPr id="3" name="Notes Placeholder 2"/>
+          <p:cNvSpPr>
+            <a:spLocks noGrp="1"/>
+          </p:cNvSpPr>
+          <p:nvPr>
+            <p:ph type="body" idx="1"/>
+          </p:nvPr>
+        </p:nvSpPr>
+        <p:spPr/>
+        <p:txBody>
+          <a:bodyPr/>
+          <a:lstStyle/>
+          <a:p>
+            <a:endParaRPr lang="en-US" dirty="0"/>
+          </a:p>
+        </p:txBody>
+      </p:sp>
+      <p:sp>
+        <p:nvSpPr>
+          <p:cNvPr id="4" name="Slide Number Placeholder 3"/>
+          <p:cNvSpPr>
+            <a:spLocks noGrp="1"/>
+          </p:cNvSpPr>
+          <p:nvPr>
+            <p:ph type="sldNum" sz="quarter" idx="10"/>
+          </p:nvPr>
+        </p:nvSpPr>
+        <p:spPr/>
+        <p:txBody>
+          <a:bodyPr/>
+          <a:lstStyle/>
+          <a:p>
+            <a:fld id="{026060C7-6C3F-1B40-9672-C54A40C23EF0}" type="slidenum">
+              <a:rPr lang="en-US" smtClean="0"/>
+              <a:t>9</a:t>
+            </a:fld>
+            <a:endParaRPr lang="en-US"/>
+          </a:p>
+        </p:txBody>
+      </p:sp>
+    </p:spTree>
+    <p:extLst>
+      <p:ext uri="{BB962C8B-B14F-4D97-AF65-F5344CB8AC3E}">
+        <p14:creationId xmlns:p14="http://schemas.microsoft.com/office/powerpoint/2010/main" val="1707831214"/>
+      </p:ext>
+    </p:extLst>
+  </p:cSld>
+  <p:clrMapOvr>
+    <a:masterClrMapping/>
+  </p:clrMapOvr>
+</p:notes>
+</file>
+
 <file path=ppt/slideLayouts/slideLayout1.xml><?xml version="1.0" encoding="utf-8"?>
 <p:sldLayout xmlns:a="http://schemas.openxmlformats.org/drawingml/2006/main" xmlns:r="http://schemas.openxmlformats.org/officeDocument/2006/relationships" xmlns:p="http://schemas.openxmlformats.org/presentationml/2006/main" type="title" preserve="1">
   <p:cSld name="Title Slide">
@@ -324,7 +761,7 @@
             <a:fld id="{1D8BD707-D9CF-40AE-B4C6-C98DA3205C09}" type="datetimeFigureOut">
               <a:rPr lang="en-US" smtClean="0"/>
               <a:pPr/>
-              <a:t>8/19/2015</a:t>
+              <a:t>10/17/15</a:t>
             </a:fld>
             <a:endParaRPr lang="en-US"/>
           </a:p>
@@ -381,7 +818,7 @@
   <p:timing>
     <p:tnLst>
       <p:par>
-        <p:cTn id="1" dur="indefinite" restart="never" nodeType="tmRoot"/>
+        <p:cTn xmlns:p14="http://schemas.microsoft.com/office/powerpoint/2010/main" id="1" dur="indefinite" restart="never" nodeType="tmRoot"/>
       </p:par>
     </p:tnLst>
   </p:timing>
@@ -498,7 +935,7 @@
             <a:fld id="{1D8BD707-D9CF-40AE-B4C6-C98DA3205C09}" type="datetimeFigureOut">
               <a:rPr lang="en-US" smtClean="0"/>
               <a:pPr/>
-              <a:t>8/19/2015</a:t>
+              <a:t>10/17/15</a:t>
             </a:fld>
             <a:endParaRPr lang="en-US"/>
           </a:p>
@@ -675,7 +1112,7 @@
             <a:fld id="{1D8BD707-D9CF-40AE-B4C6-C98DA3205C09}" type="datetimeFigureOut">
               <a:rPr lang="en-US" smtClean="0"/>
               <a:pPr/>
-              <a:t>8/19/2015</a:t>
+              <a:t>10/17/15</a:t>
             </a:fld>
             <a:endParaRPr lang="en-US"/>
           </a:p>
@@ -842,7 +1279,7 @@
             <a:fld id="{1D8BD707-D9CF-40AE-B4C6-C98DA3205C09}" type="datetimeFigureOut">
               <a:rPr lang="en-US" smtClean="0"/>
               <a:pPr/>
-              <a:t>8/19/2015</a:t>
+              <a:t>10/17/15</a:t>
             </a:fld>
             <a:endParaRPr lang="en-US"/>
           </a:p>
@@ -899,7 +1336,7 @@
   <p:timing>
     <p:tnLst>
       <p:par>
-        <p:cTn id="1" dur="indefinite" restart="never" nodeType="tmRoot">
+        <p:cTn xmlns:p14="http://schemas.microsoft.com/office/powerpoint/2010/main" id="1" dur="indefinite" restart="never" nodeType="tmRoot">
           <p:childTnLst>
             <p:seq concurrent="1" nextAc="seek">
               <p:cTn id="2" dur="indefinite" nodeType="mainSeq">
@@ -1104,7 +1541,7 @@
           <p:tmpl lvl="1">
             <p:tnLst>
               <p:par>
-                <p:cTn presetID="1" presetClass="entr" presetSubtype="0" fill="hold" nodeType="clickEffect">
+                <p:cTn xmlns:p14="http://schemas.microsoft.com/office/powerpoint/2010/main" presetID="1" presetClass="entr" presetSubtype="0" fill="hold" nodeType="clickEffect">
                   <p:stCondLst>
                     <p:cond delay="0"/>
                   </p:stCondLst>
@@ -1135,7 +1572,7 @@
           <p:tmpl lvl="2">
             <p:tnLst>
               <p:par>
-                <p:cTn presetID="1" presetClass="entr" presetSubtype="0" fill="hold" nodeType="withEffect">
+                <p:cTn xmlns:p14="http://schemas.microsoft.com/office/powerpoint/2010/main" presetID="1" presetClass="entr" presetSubtype="0" fill="hold" nodeType="withEffect">
                   <p:stCondLst>
                     <p:cond delay="0"/>
                   </p:stCondLst>
@@ -1166,7 +1603,7 @@
           <p:tmpl lvl="3">
             <p:tnLst>
               <p:par>
-                <p:cTn presetID="1" presetClass="entr" presetSubtype="0" fill="hold" nodeType="withEffect">
+                <p:cTn xmlns:p14="http://schemas.microsoft.com/office/powerpoint/2010/main" presetID="1" presetClass="entr" presetSubtype="0" fill="hold" nodeType="withEffect">
                   <p:stCondLst>
                     <p:cond delay="0"/>
                   </p:stCondLst>
@@ -1197,7 +1634,7 @@
           <p:tmpl lvl="4">
             <p:tnLst>
               <p:par>
-                <p:cTn presetID="1" presetClass="entr" presetSubtype="0" fill="hold" nodeType="withEffect">
+                <p:cTn xmlns:p14="http://schemas.microsoft.com/office/powerpoint/2010/main" presetID="1" presetClass="entr" presetSubtype="0" fill="hold" nodeType="withEffect">
                   <p:stCondLst>
                     <p:cond delay="0"/>
                   </p:stCondLst>
@@ -1228,7 +1665,7 @@
           <p:tmpl lvl="5">
             <p:tnLst>
               <p:par>
-                <p:cTn presetID="1" presetClass="entr" presetSubtype="0" fill="hold" nodeType="withEffect">
+                <p:cTn xmlns:p14="http://schemas.microsoft.com/office/powerpoint/2010/main" presetID="1" presetClass="entr" presetSubtype="0" fill="hold" nodeType="withEffect">
                   <p:stCondLst>
                     <p:cond delay="0"/>
                   </p:stCondLst>
@@ -1449,7 +1886,7 @@
             <a:fld id="{1D8BD707-D9CF-40AE-B4C6-C98DA3205C09}" type="datetimeFigureOut">
               <a:rPr lang="en-US" smtClean="0"/>
               <a:pPr/>
-              <a:t>8/19/2015</a:t>
+              <a:t>10/17/15</a:t>
             </a:fld>
             <a:endParaRPr lang="en-US"/>
           </a:p>
@@ -1734,7 +2171,7 @@
             <a:fld id="{1D8BD707-D9CF-40AE-B4C6-C98DA3205C09}" type="datetimeFigureOut">
               <a:rPr lang="en-US" smtClean="0"/>
               <a:pPr/>
-              <a:t>8/19/2015</a:t>
+              <a:t>10/17/15</a:t>
             </a:fld>
             <a:endParaRPr lang="en-US"/>
           </a:p>
@@ -2153,7 +2590,7 @@
             <a:fld id="{1D8BD707-D9CF-40AE-B4C6-C98DA3205C09}" type="datetimeFigureOut">
               <a:rPr lang="en-US" smtClean="0"/>
               <a:pPr/>
-              <a:t>8/19/2015</a:t>
+              <a:t>10/17/15</a:t>
             </a:fld>
             <a:endParaRPr lang="en-US"/>
           </a:p>
@@ -2268,7 +2705,7 @@
             <a:fld id="{1D8BD707-D9CF-40AE-B4C6-C98DA3205C09}" type="datetimeFigureOut">
               <a:rPr lang="en-US" smtClean="0"/>
               <a:pPr/>
-              <a:t>8/19/2015</a:t>
+              <a:t>10/17/15</a:t>
             </a:fld>
             <a:endParaRPr lang="en-US"/>
           </a:p>
@@ -2360,7 +2797,7 @@
             <a:fld id="{1D8BD707-D9CF-40AE-B4C6-C98DA3205C09}" type="datetimeFigureOut">
               <a:rPr lang="en-US" smtClean="0"/>
               <a:pPr/>
-              <a:t>8/19/2015</a:t>
+              <a:t>10/17/15</a:t>
             </a:fld>
             <a:endParaRPr lang="en-US"/>
           </a:p>
@@ -2634,7 +3071,7 @@
             <a:fld id="{1D8BD707-D9CF-40AE-B4C6-C98DA3205C09}" type="datetimeFigureOut">
               <a:rPr lang="en-US" smtClean="0"/>
               <a:pPr/>
-              <a:t>8/19/2015</a:t>
+              <a:t>10/17/15</a:t>
             </a:fld>
             <a:endParaRPr lang="en-US"/>
           </a:p>
@@ -2884,7 +3321,7 @@
             <a:fld id="{1D8BD707-D9CF-40AE-B4C6-C98DA3205C09}" type="datetimeFigureOut">
               <a:rPr lang="en-US" smtClean="0"/>
               <a:pPr/>
-              <a:t>8/19/2015</a:t>
+              <a:t>10/17/15</a:t>
             </a:fld>
             <a:endParaRPr lang="en-US"/>
           </a:p>
@@ -3094,7 +3531,7 @@
             <a:fld id="{1D8BD707-D9CF-40AE-B4C6-C98DA3205C09}" type="datetimeFigureOut">
               <a:rPr lang="en-US" smtClean="0"/>
               <a:pPr/>
-              <a:t>8/19/2015</a:t>
+              <a:t>10/17/15</a:t>
             </a:fld>
             <a:endParaRPr lang="en-US"/>
           </a:p>
@@ -3523,7 +3960,7 @@
   <p:timing>
     <p:tnLst>
       <p:par>
-        <p:cTn id="1" dur="indefinite" restart="never" nodeType="tmRoot"/>
+        <p:cTn xmlns:p14="http://schemas.microsoft.com/office/powerpoint/2010/main" id="1" dur="indefinite" restart="never" nodeType="tmRoot"/>
       </p:par>
     </p:tnLst>
   </p:timing>
@@ -3651,7 +4088,7 @@
   <p:timing>
     <p:tnLst>
       <p:par>
-        <p:cTn id="1" dur="indefinite" restart="never" nodeType="tmRoot"/>
+        <p:cTn xmlns:p14="http://schemas.microsoft.com/office/powerpoint/2010/main" id="1" dur="indefinite" restart="never" nodeType="tmRoot"/>
       </p:par>
     </p:tnLst>
   </p:timing>
@@ -3715,15 +4152,7 @@
           <a:p>
             <a:r>
               <a:rPr lang="en-US" smtClean="0"/>
-              <a:t>Click </a:t>
-            </a:r>
-            <a:r>
-              <a:rPr lang="en-US" smtClean="0"/>
-              <a:t>"Create New" </a:t>
-            </a:r>
-            <a:r>
-              <a:rPr lang="en-US" smtClean="0"/>
-              <a:t>(plus sign):</a:t>
+              <a:t>Click "Create New" (plus sign):</a:t>
             </a:r>
           </a:p>
           <a:p>
@@ -3737,15 +4166,7 @@
             <a:pPr lvl="1"/>
             <a:r>
               <a:rPr lang="en-US" smtClean="0"/>
-              <a:t>Initialize with README (if </a:t>
-            </a:r>
-            <a:r>
-              <a:rPr lang="en-US" smtClean="0"/>
-              <a:t>you're </a:t>
-            </a:r>
-            <a:r>
-              <a:rPr lang="en-US" smtClean="0"/>
-              <a:t>going to clone)</a:t>
+              <a:t>Initialize with README (if you're going to clone)</a:t>
             </a:r>
           </a:p>
           <a:p>
@@ -3784,7 +4205,7 @@
   <p:timing>
     <p:tnLst>
       <p:par>
-        <p:cTn id="1" dur="indefinite" restart="never" nodeType="tmRoot"/>
+        <p:cTn xmlns:p14="http://schemas.microsoft.com/office/powerpoint/2010/main" id="1" dur="indefinite" restart="never" nodeType="tmRoot"/>
       </p:par>
     </p:tnLst>
   </p:timing>
@@ -3867,22 +4288,13 @@
           <a:p>
             <a:r>
               <a:rPr lang="en-US" smtClean="0"/>
-              <a:t>Many implementations (aka </a:t>
-            </a:r>
-            <a:r>
-              <a:rPr lang="en-US" smtClean="0"/>
-              <a:t>"flavors")</a:t>
-            </a:r>
-            <a:endParaRPr lang="en-US" smtClean="0"/>
-          </a:p>
-          <a:p>
-            <a:r>
-              <a:rPr lang="en-US" smtClean="0"/>
-              <a:t>Let's </a:t>
-            </a:r>
-            <a:r>
-              <a:rPr lang="en-US" smtClean="0"/>
-              <a:t>edit </a:t>
+              <a:t>Many implementations (aka "flavors")</a:t>
+            </a:r>
+          </a:p>
+          <a:p>
+            <a:r>
+              <a:rPr lang="en-US" smtClean="0"/>
+              <a:t>Let's edit </a:t>
             </a:r>
             <a:r>
               <a:rPr lang="en-US"/>
@@ -3956,7 +4368,7 @@
   <p:timing>
     <p:tnLst>
       <p:par>
-        <p:cTn id="1" dur="indefinite" restart="never" nodeType="tmRoot"/>
+        <p:cTn xmlns:p14="http://schemas.microsoft.com/office/powerpoint/2010/main" id="1" dur="indefinite" restart="never" nodeType="tmRoot"/>
       </p:par>
     </p:tnLst>
   </p:timing>
@@ -4035,7 +4447,7 @@
   <p:timing>
     <p:tnLst>
       <p:par>
-        <p:cTn id="1" dur="indefinite" restart="never" nodeType="tmRoot"/>
+        <p:cTn xmlns:p14="http://schemas.microsoft.com/office/powerpoint/2010/main" id="1" dur="indefinite" restart="never" nodeType="tmRoot"/>
       </p:par>
     </p:tnLst>
   </p:timing>
@@ -4076,15 +4488,7 @@
           <a:p>
             <a:r>
               <a:rPr lang="en-US" smtClean="0"/>
-              <a:t>Preview of what </a:t>
-            </a:r>
-            <a:r>
-              <a:rPr lang="en-US" smtClean="0"/>
-              <a:t>you're </a:t>
-            </a:r>
-            <a:r>
-              <a:rPr lang="en-US" smtClean="0"/>
-              <a:t>about to do</a:t>
+              <a:t>Preview of what you're about to do</a:t>
             </a:r>
             <a:endParaRPr lang="en-US"/>
           </a:p>
@@ -4121,15 +4525,7 @@
           <a:p>
             <a:r>
               <a:rPr lang="en-US" smtClean="0"/>
-              <a:t>Save those changes locally </a:t>
-            </a:r>
-            <a:r>
-              <a:rPr lang="en-US" smtClean="0"/>
-              <a:t>("commit" </a:t>
-            </a:r>
-            <a:r>
-              <a:rPr lang="en-US" smtClean="0"/>
-              <a:t>them)</a:t>
+              <a:t>Save those changes locally ("commit" them)</a:t>
             </a:r>
           </a:p>
           <a:p>
@@ -4153,7 +4549,7 @@
   <p:timing>
     <p:tnLst>
       <p:par>
-        <p:cTn id="1" dur="indefinite" restart="never" nodeType="tmRoot"/>
+        <p:cTn xmlns:p14="http://schemas.microsoft.com/office/powerpoint/2010/main" id="1" dur="indefinite" restart="never" nodeType="tmRoot"/>
       </p:par>
     </p:tnLst>
   </p:timing>
@@ -4323,7 +4719,7 @@
   <p:timing>
     <p:tnLst>
       <p:par>
-        <p:cTn id="1" dur="indefinite" restart="never" nodeType="tmRoot"/>
+        <p:cTn xmlns:p14="http://schemas.microsoft.com/office/powerpoint/2010/main" id="1" dur="indefinite" restart="never" nodeType="tmRoot"/>
       </p:par>
     </p:tnLst>
   </p:timing>
@@ -4404,14 +4800,14 @@
             <a:noFill/>
           </a:ln>
           <a:extLst>
-            <a:ext uri="{909E8E84-426E-40DD-AFC4-6F175D3DCCD1}">
+            <a:ext uri="{909E8E84-426E-40dd-AFC4-6F175D3DCCD1}">
               <a14:hiddenFill xmlns:a14="http://schemas.microsoft.com/office/drawing/2010/main">
                 <a:solidFill>
                   <a:schemeClr val="accent1"/>
                 </a:solidFill>
               </a14:hiddenFill>
             </a:ext>
-            <a:ext uri="{91240B29-F687-4F45-9708-019B960494DF}">
+            <a:ext uri="{91240B29-F687-4f45-9708-019B960494DF}">
               <a14:hiddenLine xmlns:a14="http://schemas.microsoft.com/office/drawing/2010/main" w="9525">
                 <a:solidFill>
                   <a:schemeClr val="tx1"/>
@@ -4437,7 +4833,7 @@
   <p:timing>
     <p:tnLst>
       <p:par>
-        <p:cTn id="1" dur="indefinite" restart="never" nodeType="tmRoot"/>
+        <p:cTn xmlns:p14="http://schemas.microsoft.com/office/powerpoint/2010/main" id="1" dur="indefinite" restart="never" nodeType="tmRoot"/>
       </p:par>
     </p:tnLst>
   </p:timing>
@@ -4501,15 +4897,7 @@
           <a:p>
             <a:r>
               <a:rPr lang="en-US" smtClean="0"/>
-              <a:t>A </a:t>
-            </a:r>
-            <a:r>
-              <a:rPr lang="en-US" smtClean="0"/>
-              <a:t>"remote alias" </a:t>
-            </a:r>
-            <a:r>
-              <a:rPr lang="en-US" smtClean="0"/>
-              <a:t>is a reference to a repo not on your local computer</a:t>
+              <a:t>A "remote alias" is a reference to a repo not on your local computer</a:t>
             </a:r>
           </a:p>
           <a:p>
@@ -4582,7 +4970,7 @@
   <p:timing>
     <p:tnLst>
       <p:par>
-        <p:cTn id="1" dur="indefinite" restart="never" nodeType="tmRoot"/>
+        <p:cTn xmlns:p14="http://schemas.microsoft.com/office/powerpoint/2010/main" id="1" dur="indefinite" restart="never" nodeType="tmRoot"/>
       </p:par>
     </p:tnLst>
   </p:timing>
@@ -4749,7 +5137,7 @@
   <p:timing>
     <p:tnLst>
       <p:par>
-        <p:cTn id="1" dur="indefinite" restart="never" nodeType="tmRoot"/>
+        <p:cTn xmlns:p14="http://schemas.microsoft.com/office/powerpoint/2010/main" id="1" dur="indefinite" restart="never" nodeType="tmRoot"/>
       </p:par>
     </p:tnLst>
   </p:timing>
@@ -4837,15 +5225,7 @@
             <a:pPr lvl="1"/>
             <a:r>
               <a:rPr lang="en-US" smtClean="0"/>
-              <a:t>Add all </a:t>
-            </a:r>
-            <a:r>
-              <a:rPr lang="en-US" smtClean="0"/>
-              <a:t>"red" </a:t>
-            </a:r>
-            <a:r>
-              <a:rPr lang="en-US" smtClean="0"/>
-              <a:t>files: </a:t>
+              <a:t>Add all "red" files: </a:t>
             </a:r>
             <a:r>
               <a:rPr lang="en-US" smtClean="0">
@@ -4887,37 +5267,8 @@
                   <a:srgbClr val="C00000"/>
                 </a:solidFill>
               </a:rPr>
-              <a:t>git commit -m </a:t>
-            </a:r>
-            <a:r>
-              <a:rPr lang="en-US" smtClean="0">
-                <a:solidFill>
-                  <a:srgbClr val="C00000"/>
-                </a:solidFill>
-              </a:rPr>
-              <a:t>"message </a:t>
-            </a:r>
-            <a:r>
-              <a:rPr lang="en-US" smtClean="0">
-                <a:solidFill>
-                  <a:srgbClr val="C00000"/>
-                </a:solidFill>
-              </a:rPr>
-              <a:t>about </a:t>
-            </a:r>
-            <a:r>
-              <a:rPr lang="en-US" smtClean="0">
-                <a:solidFill>
-                  <a:srgbClr val="C00000"/>
-                </a:solidFill>
-              </a:rPr>
-              <a:t>commit"</a:t>
-            </a:r>
-            <a:endParaRPr lang="en-US" smtClean="0">
-              <a:solidFill>
-                <a:srgbClr val="C00000"/>
-              </a:solidFill>
-            </a:endParaRPr>
+              <a:t>git commit -m "message about commit"</a:t>
+            </a:r>
           </a:p>
           <a:p>
             <a:r>
@@ -4959,7 +5310,7 @@
   <p:timing>
     <p:tnLst>
       <p:par>
-        <p:cTn id="1" dur="indefinite" restart="never" nodeType="tmRoot"/>
+        <p:cTn xmlns:p14="http://schemas.microsoft.com/office/powerpoint/2010/main" id="1" dur="indefinite" restart="never" nodeType="tmRoot"/>
       </p:par>
     </p:tnLst>
   </p:timing>
@@ -5086,7 +5437,7 @@
   <p:timing>
     <p:tnLst>
       <p:par>
-        <p:cTn id="1" dur="indefinite" restart="never" nodeType="tmRoot"/>
+        <p:cTn xmlns:p14="http://schemas.microsoft.com/office/powerpoint/2010/main" id="1" dur="indefinite" restart="never" nodeType="tmRoot"/>
       </p:par>
     </p:tnLst>
   </p:timing>
@@ -5152,33 +5503,13 @@
           <a:p>
             <a:r>
               <a:rPr lang="en-US" smtClean="0"/>
-              <a:t>Everything </a:t>
-            </a:r>
-            <a:r>
-              <a:rPr lang="en-US" smtClean="0"/>
-              <a:t>you've </a:t>
-            </a:r>
-            <a:r>
-              <a:rPr lang="en-US" smtClean="0"/>
-              <a:t>done to your cloned repo (so far) has been local</a:t>
-            </a:r>
-          </a:p>
-          <a:p>
-            <a:r>
-              <a:rPr lang="en-US" smtClean="0"/>
-              <a:t>You've </a:t>
-            </a:r>
-            <a:r>
-              <a:rPr lang="en-US" smtClean="0"/>
-              <a:t>been working in the </a:t>
-            </a:r>
-            <a:r>
-              <a:rPr lang="en-US" smtClean="0"/>
-              <a:t>"master" </a:t>
-            </a:r>
-            <a:r>
-              <a:rPr lang="en-US" smtClean="0"/>
-              <a:t>branch</a:t>
+              <a:t>Everything you've done to your cloned repo (so far) has been local</a:t>
+            </a:r>
+          </a:p>
+          <a:p>
+            <a:r>
+              <a:rPr lang="en-US" smtClean="0"/>
+              <a:t>You've been working in the "master" branch</a:t>
             </a:r>
           </a:p>
           <a:p>
@@ -5246,7 +5577,7 @@
   <p:timing>
     <p:tnLst>
       <p:par>
-        <p:cTn id="1" dur="indefinite" restart="never" nodeType="tmRoot"/>
+        <p:cTn xmlns:p14="http://schemas.microsoft.com/office/powerpoint/2010/main" id="1" dur="indefinite" restart="never" nodeType="tmRoot"/>
       </p:par>
     </p:tnLst>
   </p:timing>
@@ -5326,14 +5657,14 @@
             <a:noFill/>
           </a:ln>
           <a:extLst>
-            <a:ext uri="{909E8E84-426E-40DD-AFC4-6F175D3DCCD1}">
+            <a:ext uri="{909E8E84-426E-40dd-AFC4-6F175D3DCCD1}">
               <a14:hiddenFill xmlns:a14="http://schemas.microsoft.com/office/drawing/2010/main">
                 <a:solidFill>
                   <a:schemeClr val="accent1"/>
                 </a:solidFill>
               </a14:hiddenFill>
             </a:ext>
-            <a:ext uri="{91240B29-F687-4F45-9708-019B960494DF}">
+            <a:ext uri="{91240B29-F687-4f45-9708-019B960494DF}">
               <a14:hiddenLine xmlns:a14="http://schemas.microsoft.com/office/drawing/2010/main" w="9525">
                 <a:solidFill>
                   <a:schemeClr val="tx1"/>
@@ -5359,7 +5690,7 @@
   <p:timing>
     <p:tnLst>
       <p:par>
-        <p:cTn id="1" dur="indefinite" restart="never" nodeType="tmRoot"/>
+        <p:cTn xmlns:p14="http://schemas.microsoft.com/office/powerpoint/2010/main" id="1" dur="indefinite" restart="never" nodeType="tmRoot"/>
       </p:par>
     </p:tnLst>
   </p:timing>
@@ -5400,15 +5731,7 @@
           <a:p>
             <a:r>
               <a:rPr lang="en-US" smtClean="0"/>
-              <a:t>Quick recap of what </a:t>
-            </a:r>
-            <a:r>
-              <a:rPr lang="en-US" smtClean="0"/>
-              <a:t>you've </a:t>
-            </a:r>
-            <a:r>
-              <a:rPr lang="en-US" smtClean="0"/>
-              <a:t>done</a:t>
+              <a:t>Quick recap of what you've done</a:t>
             </a:r>
             <a:endParaRPr lang="en-US"/>
           </a:p>
@@ -5458,15 +5781,7 @@
             <a:pPr lvl="1"/>
             <a:r>
               <a:rPr lang="en-US" smtClean="0"/>
-              <a:t>Automatically sets up your </a:t>
-            </a:r>
-            <a:r>
-              <a:rPr lang="en-US" smtClean="0"/>
-              <a:t>"origin" </a:t>
-            </a:r>
-            <a:r>
-              <a:rPr lang="en-US" smtClean="0"/>
-              <a:t>remote</a:t>
+              <a:t>Automatically sets up your "origin" remote</a:t>
             </a:r>
           </a:p>
           <a:p>
@@ -5587,7 +5902,7 @@
   <p:timing>
     <p:tnLst>
       <p:par>
-        <p:cTn id="1" dur="indefinite" restart="never" nodeType="tmRoot"/>
+        <p:cTn xmlns:p14="http://schemas.microsoft.com/office/powerpoint/2010/main" id="1" dur="indefinite" restart="never" nodeType="tmRoot"/>
       </p:par>
     </p:tnLst>
   </p:timing>
@@ -5628,11 +5943,7 @@
           <a:p>
             <a:r>
               <a:rPr lang="en-US" smtClean="0"/>
-              <a:t>Let's </a:t>
-            </a:r>
-            <a:r>
-              <a:rPr lang="en-US" smtClean="0"/>
-              <a:t>do it again!</a:t>
+              <a:t>Let's do it again!</a:t>
             </a:r>
             <a:endParaRPr lang="en-US"/>
           </a:p>
@@ -5703,21 +6014,8 @@
                   <a:srgbClr val="C00000"/>
                 </a:solidFill>
               </a:rPr>
-              <a:t>git commit -m </a:t>
-            </a:r>
-            <a:r>
-              <a:rPr lang="en-US" smtClean="0">
-                <a:solidFill>
-                  <a:srgbClr val="C00000"/>
-                </a:solidFill>
-              </a:rPr>
-              <a:t>"message"</a:t>
-            </a:r>
-            <a:endParaRPr lang="en-US" smtClean="0">
-              <a:solidFill>
-                <a:srgbClr val="C00000"/>
-              </a:solidFill>
-            </a:endParaRPr>
+              <a:t>git commit -m "message"</a:t>
+            </a:r>
           </a:p>
           <a:p>
             <a:r>
@@ -5757,7 +6055,7 @@
   <p:timing>
     <p:tnLst>
       <p:par>
-        <p:cTn id="1" dur="indefinite" restart="never" nodeType="tmRoot"/>
+        <p:cTn xmlns:p14="http://schemas.microsoft.com/office/powerpoint/2010/main" id="1" dur="indefinite" restart="never" nodeType="tmRoot"/>
       </p:par>
     </p:tnLst>
   </p:timing>
@@ -5843,7 +6141,7 @@
   <p:timing>
     <p:tnLst>
       <p:par>
-        <p:cTn id="1" dur="indefinite" restart="never" nodeType="tmRoot"/>
+        <p:cTn xmlns:p14="http://schemas.microsoft.com/office/powerpoint/2010/main" id="1" dur="indefinite" restart="never" nodeType="tmRoot"/>
       </p:par>
     </p:tnLst>
   </p:timing>
@@ -5920,15 +6218,7 @@
           <a:p>
             <a:r>
               <a:rPr lang="en-US" smtClean="0"/>
-              <a:t>What if you clone someone </a:t>
-            </a:r>
-            <a:r>
-              <a:rPr lang="en-US" smtClean="0"/>
-              <a:t>else's </a:t>
-            </a:r>
-            <a:r>
-              <a:rPr lang="en-US" smtClean="0"/>
-              <a:t>GitHub repo, and then they make changes to it?</a:t>
+              <a:t>What if you clone someone else's GitHub repo, and then they make changes to it?</a:t>
             </a:r>
           </a:p>
           <a:p>
@@ -5960,7 +6250,7 @@
   <p:timing>
     <p:tnLst>
       <p:par>
-        <p:cTn id="1" dur="indefinite" restart="never" nodeType="tmRoot"/>
+        <p:cTn xmlns:p14="http://schemas.microsoft.com/office/powerpoint/2010/main" id="1" dur="indefinite" restart="never" nodeType="tmRoot"/>
       </p:par>
     </p:tnLst>
   </p:timing>
@@ -6031,15 +6321,7 @@
           <a:p>
             <a:r>
               <a:rPr lang="en-US" smtClean="0"/>
-              <a:t>Git allows you to manually </a:t>
-            </a:r>
-            <a:r>
-              <a:rPr lang="en-US" smtClean="0"/>
-              <a:t>"pull" </a:t>
-            </a:r>
-            <a:r>
-              <a:rPr lang="en-US" smtClean="0"/>
-              <a:t>changes from remote locations</a:t>
+              <a:t>Git allows you to manually "pull" changes from remote locations</a:t>
             </a:r>
           </a:p>
           <a:p>
@@ -6076,21 +6358,8 @@
                   <a:srgbClr val="C00000"/>
                 </a:solidFill>
               </a:rPr>
-              <a:t>git pull origin </a:t>
-            </a:r>
-            <a:r>
-              <a:rPr lang="en-US" smtClean="0">
-                <a:solidFill>
-                  <a:srgbClr val="C00000"/>
-                </a:solidFill>
-              </a:rPr>
-              <a:t>master</a:t>
-            </a:r>
-            <a:endParaRPr lang="en-US" smtClean="0">
-              <a:solidFill>
-                <a:srgbClr val="C00000"/>
-              </a:solidFill>
-            </a:endParaRPr>
+              <a:t>git pull origin master</a:t>
+            </a:r>
           </a:p>
         </p:txBody>
       </p:sp>
@@ -6107,7 +6376,7 @@
   <p:timing>
     <p:tnLst>
       <p:par>
-        <p:cTn id="1" dur="indefinite" restart="never" nodeType="tmRoot"/>
+        <p:cTn xmlns:p14="http://schemas.microsoft.com/office/powerpoint/2010/main" id="1" dur="indefinite" restart="never" nodeType="tmRoot"/>
       </p:par>
     </p:tnLst>
   </p:timing>
@@ -6187,14 +6456,14 @@
             <a:noFill/>
           </a:ln>
           <a:extLst>
-            <a:ext uri="{909E8E84-426E-40DD-AFC4-6F175D3DCCD1}">
+            <a:ext uri="{909E8E84-426E-40dd-AFC4-6F175D3DCCD1}">
               <a14:hiddenFill xmlns:a14="http://schemas.microsoft.com/office/drawing/2010/main">
                 <a:solidFill>
                   <a:schemeClr val="accent1"/>
                 </a:solidFill>
               </a14:hiddenFill>
             </a:ext>
-            <a:ext uri="{91240B29-F687-4F45-9708-019B960494DF}">
+            <a:ext uri="{91240B29-F687-4f45-9708-019B960494DF}">
               <a14:hiddenLine xmlns:a14="http://schemas.microsoft.com/office/drawing/2010/main" w="9525">
                 <a:solidFill>
                   <a:schemeClr val="tx1"/>
@@ -6220,7 +6489,7 @@
   <p:timing>
     <p:tnLst>
       <p:par>
-        <p:cTn id="1" dur="indefinite" restart="never" nodeType="tmRoot"/>
+        <p:cTn xmlns:p14="http://schemas.microsoft.com/office/powerpoint/2010/main" id="1" dur="indefinite" restart="never" nodeType="tmRoot"/>
       </p:par>
     </p:tnLst>
   </p:timing>
@@ -6344,11 +6613,7 @@
             <a:pPr lvl="1"/>
             <a:r>
               <a:rPr lang="en-US" smtClean="0"/>
-              <a:t>Don't </a:t>
-            </a:r>
-            <a:r>
-              <a:rPr lang="en-US" smtClean="0"/>
-              <a:t>store it inside another Git repo</a:t>
+              <a:t>Don't store it inside another Git repo</a:t>
             </a:r>
           </a:p>
           <a:p>
@@ -6402,11 +6667,7 @@
           <a:p>
             <a:r>
               <a:rPr lang="en-US" smtClean="0"/>
-              <a:t>I'll </a:t>
-            </a:r>
-            <a:r>
-              <a:rPr lang="en-US" smtClean="0"/>
-              <a:t>push a new change to DAT8</a:t>
+              <a:t>I'll push a new change to DAT8</a:t>
             </a:r>
           </a:p>
           <a:p>
@@ -6438,7 +6699,7 @@
   <p:timing>
     <p:tnLst>
       <p:par>
-        <p:cTn id="1" dur="indefinite" restart="never" nodeType="tmRoot"/>
+        <p:cTn xmlns:p14="http://schemas.microsoft.com/office/powerpoint/2010/main" id="1" dur="indefinite" restart="never" nodeType="tmRoot"/>
       </p:par>
     </p:tnLst>
   </p:timing>
@@ -6534,15 +6795,7 @@
             <a:pPr lvl="1"/>
             <a:r>
               <a:rPr lang="en-US" smtClean="0"/>
-              <a:t>No harm is done by pulling from a repo that </a:t>
-            </a:r>
-            <a:r>
-              <a:rPr lang="en-US" smtClean="0"/>
-              <a:t>hasn't </a:t>
-            </a:r>
-            <a:r>
-              <a:rPr lang="en-US" smtClean="0"/>
-              <a:t>changed</a:t>
+              <a:t>No harm is done by pulling from a repo that hasn't changed</a:t>
             </a:r>
           </a:p>
         </p:txBody>
@@ -6560,7 +6813,7 @@
   <p:timing>
     <p:tnLst>
       <p:par>
-        <p:cTn id="1" dur="indefinite" restart="never" nodeType="tmRoot"/>
+        <p:cTn xmlns:p14="http://schemas.microsoft.com/office/powerpoint/2010/main" id="1" dur="indefinite" restart="never" nodeType="tmRoot"/>
       </p:par>
     </p:tnLst>
   </p:timing>
@@ -6639,7 +6892,7 @@
   <p:timing>
     <p:tnLst>
       <p:par>
-        <p:cTn id="1" dur="indefinite" restart="never" nodeType="tmRoot"/>
+        <p:cTn xmlns:p14="http://schemas.microsoft.com/office/powerpoint/2010/main" id="1" dur="indefinite" restart="never" nodeType="tmRoot"/>
       </p:par>
     </p:tnLst>
   </p:timing>
@@ -6710,15 +6963,7 @@
           <a:p>
             <a:r>
               <a:rPr lang="en-US" smtClean="0"/>
-              <a:t>The most common problem when pulling is a </a:t>
-            </a:r>
-            <a:r>
-              <a:rPr lang="en-US" smtClean="0"/>
-              <a:t>"merge conflict": </a:t>
-            </a:r>
-            <a:r>
-              <a:rPr lang="en-US" smtClean="0"/>
-              <a:t>there is a conflict between the changes being merged and changes you have made locally</a:t>
+              <a:t>The most common problem when pulling is a "merge conflict": there is a conflict between the changes being merged and changes you have made locally</a:t>
             </a:r>
           </a:p>
           <a:p>
@@ -6782,7 +7027,7 @@
   <p:timing>
     <p:tnLst>
       <p:par>
-        <p:cTn id="1" dur="indefinite" restart="never" nodeType="tmRoot"/>
+        <p:cTn xmlns:p14="http://schemas.microsoft.com/office/powerpoint/2010/main" id="1" dur="indefinite" restart="never" nodeType="tmRoot"/>
       </p:par>
     </p:tnLst>
   </p:timing>
@@ -6861,7 +7106,7 @@
   <p:timing>
     <p:tnLst>
       <p:par>
-        <p:cTn id="1" dur="indefinite" restart="never" nodeType="tmRoot"/>
+        <p:cTn xmlns:p14="http://schemas.microsoft.com/office/powerpoint/2010/main" id="1" dur="indefinite" restart="never" nodeType="tmRoot"/>
       </p:par>
     </p:tnLst>
   </p:timing>
@@ -6977,7 +7222,7 @@
   <p:timing>
     <p:tnLst>
       <p:par>
-        <p:cTn id="1" dur="indefinite" restart="never" nodeType="tmRoot"/>
+        <p:cTn xmlns:p14="http://schemas.microsoft.com/office/powerpoint/2010/main" id="1" dur="indefinite" restart="never" nodeType="tmRoot"/>
       </p:par>
     </p:tnLst>
   </p:timing>
@@ -7133,7 +7378,7 @@
   <p:timing>
     <p:tnLst>
       <p:par>
-        <p:cTn id="1" dur="indefinite" restart="never" nodeType="tmRoot"/>
+        <p:cTn xmlns:p14="http://schemas.microsoft.com/office/powerpoint/2010/main" id="1" dur="indefinite" restart="never" nodeType="tmRoot"/>
       </p:par>
     </p:tnLst>
   </p:timing>
@@ -7197,15 +7442,7 @@
           <a:p>
             <a:r>
               <a:rPr lang="en-US" smtClean="0"/>
-              <a:t>Create a </a:t>
-            </a:r>
-            <a:r>
-              <a:rPr lang="en-US" smtClean="0"/>
-              <a:t>".gitignore" </a:t>
-            </a:r>
-            <a:r>
-              <a:rPr lang="en-US" smtClean="0"/>
-              <a:t>file in your repo: </a:t>
+              <a:t>Create a ".gitignore" file in your repo: </a:t>
             </a:r>
             <a:r>
               <a:rPr lang="en-US" smtClean="0">
@@ -7315,7 +7552,7 @@
   <p:timing>
     <p:tnLst>
       <p:par>
-        <p:cTn id="1" dur="indefinite" restart="never" nodeType="tmRoot"/>
+        <p:cTn xmlns:p14="http://schemas.microsoft.com/office/powerpoint/2010/main" id="1" dur="indefinite" restart="never" nodeType="tmRoot"/>
       </p:par>
     </p:tnLst>
   </p:timing>
@@ -7477,7 +7714,7 @@
   <p:timing>
     <p:tnLst>
       <p:par>
-        <p:cTn id="1" dur="indefinite" restart="never" nodeType="tmRoot"/>
+        <p:cTn xmlns:p14="http://schemas.microsoft.com/office/powerpoint/2010/main" id="1" dur="indefinite" restart="never" nodeType="tmRoot"/>
       </p:par>
     </p:tnLst>
   </p:timing>
@@ -7559,23 +7796,7 @@
                   <a:srgbClr val="C00000"/>
                 </a:solidFill>
               </a:rPr>
-              <a:t>"</a:t>
-            </a:r>
-            <a:r>
-              <a:rPr lang="en-US" smtClean="0">
-                <a:solidFill>
-                  <a:srgbClr val="C00000"/>
-                </a:solidFill>
-              </a:rPr>
-              <a:t>message</a:t>
-            </a:r>
-            <a:r>
-              <a:rPr lang="en-US" smtClean="0">
-                <a:solidFill>
-                  <a:srgbClr val="C00000"/>
-                </a:solidFill>
-              </a:rPr>
-              <a:t>"</a:t>
+              <a:t>"message"</a:t>
             </a:r>
             <a:endParaRPr lang="en-US" smtClean="0"/>
           </a:p>
@@ -7654,7 +7875,7 @@
   <p:timing>
     <p:tnLst>
       <p:par>
-        <p:cTn id="1" dur="indefinite" restart="never" nodeType="tmRoot"/>
+        <p:cTn xmlns:p14="http://schemas.microsoft.com/office/powerpoint/2010/main" id="1" dur="indefinite" restart="never" nodeType="tmRoot"/>
       </p:par>
     </p:tnLst>
   </p:timing>
@@ -7771,7 +7992,7 @@
   <p:timing>
     <p:tnLst>
       <p:par>
-        <p:cTn id="1" dur="indefinite" restart="never" nodeType="tmRoot"/>
+        <p:cTn xmlns:p14="http://schemas.microsoft.com/office/powerpoint/2010/main" id="1" dur="indefinite" restart="never" nodeType="tmRoot"/>
       </p:par>
     </p:tnLst>
   </p:timing>
@@ -7837,21 +8058,8 @@
           <a:p>
             <a:r>
               <a:rPr lang="en-US" smtClean="0"/>
-              <a:t>Version control system that allows you to track files and file changes in a repository </a:t>
-            </a:r>
-            <a:r>
-              <a:rPr lang="en-US" smtClean="0"/>
-              <a:t>("repo</a:t>
-            </a:r>
-            <a:r>
-              <a:rPr lang="en-US" smtClean="0"/>
-              <a:t>"</a:t>
-            </a:r>
-            <a:r>
-              <a:rPr lang="en-US" smtClean="0"/>
-              <a:t>)</a:t>
-            </a:r>
-            <a:endParaRPr lang="en-US" smtClean="0"/>
+              <a:t>Version control system that allows you to track files and file changes in a repository ("repo")</a:t>
+            </a:r>
           </a:p>
           <a:p>
             <a:r>
@@ -7899,7 +8107,7 @@
   <p:timing>
     <p:tnLst>
       <p:par>
-        <p:cTn id="1" dur="indefinite" restart="never" nodeType="tmRoot"/>
+        <p:cTn xmlns:p14="http://schemas.microsoft.com/office/powerpoint/2010/main" id="1" dur="indefinite" restart="never" nodeType="tmRoot"/>
       </p:par>
     </p:tnLst>
   </p:timing>
@@ -8023,17 +8231,8 @@
           <a:p>
             <a:r>
               <a:rPr lang="en-US" smtClean="0"/>
-              <a:t>"GitHub </a:t>
-            </a:r>
-            <a:r>
-              <a:rPr lang="en-US" smtClean="0"/>
-              <a:t>is just Dropbox for </a:t>
-            </a:r>
-            <a:r>
-              <a:rPr lang="en-US" smtClean="0"/>
-              <a:t>Git"</a:t>
-            </a:r>
-            <a:endParaRPr lang="en-US" smtClean="0"/>
+              <a:t>"GitHub is just Dropbox for Git"</a:t>
+            </a:r>
           </a:p>
           <a:p>
             <a:r>
@@ -8057,7 +8256,7 @@
   <p:timing>
     <p:tnLst>
       <p:par>
-        <p:cTn id="1" dur="indefinite" restart="never" nodeType="tmRoot"/>
+        <p:cTn xmlns:p14="http://schemas.microsoft.com/office/powerpoint/2010/main" id="1" dur="indefinite" restart="never" nodeType="tmRoot"/>
       </p:par>
     </p:tnLst>
   </p:timing>
@@ -8135,15 +8334,7 @@
           <a:p>
             <a:r>
               <a:rPr lang="en-US" smtClean="0"/>
-              <a:t>Hard to explore since most actions are </a:t>
-            </a:r>
-            <a:r>
-              <a:rPr lang="en-US" smtClean="0"/>
-              <a:t>"permanent" </a:t>
-            </a:r>
-            <a:r>
-              <a:rPr lang="en-US" smtClean="0"/>
-              <a:t>(in a sense) and can have serious consequences</a:t>
+              <a:t>Hard to explore since most actions are "permanent" (in a sense) and can have serious consequences</a:t>
             </a:r>
           </a:p>
           <a:p>
@@ -8171,7 +8362,7 @@
   <p:timing>
     <p:tnLst>
       <p:par>
-        <p:cTn id="1" dur="indefinite" restart="never" nodeType="tmRoot"/>
+        <p:cTn xmlns:p14="http://schemas.microsoft.com/office/powerpoint/2010/main" id="1" dur="indefinite" restart="never" nodeType="tmRoot"/>
       </p:par>
     </p:tnLst>
   </p:timing>
@@ -8250,7 +8441,7 @@
   <p:timing>
     <p:tnLst>
       <p:par>
-        <p:cTn id="1" dur="indefinite" restart="never" nodeType="tmRoot"/>
+        <p:cTn xmlns:p14="http://schemas.microsoft.com/office/powerpoint/2010/main" id="1" dur="indefinite" restart="never" nodeType="tmRoot"/>
       </p:par>
     </p:tnLst>
   </p:timing>
@@ -8320,88 +8511,92 @@
           <a:lstStyle/>
           <a:p>
             <a:r>
-              <a:rPr lang="en-US" smtClean="0"/>
+              <a:rPr lang="en-US" dirty="0" smtClean="0"/>
               <a:t>Example repo: </a:t>
             </a:r>
             <a:r>
-              <a:rPr lang="en-US" smtClean="0">
-                <a:hlinkClick r:id="rId2"/>
+              <a:rPr lang="en-US" sz="3000" dirty="0" smtClean="0">
+                <a:hlinkClick r:id="rId3" action="ppaction://hlinkfile"/>
               </a:rPr>
-              <a:t>github.com/justmarkham/DAT8</a:t>
-            </a:r>
-            <a:endParaRPr lang="en-US" smtClean="0"/>
-          </a:p>
-          <a:p>
-            <a:r>
-              <a:rPr lang="en-US" smtClean="0"/>
+              <a:t>github.com/JamesByers/GA-DS-2h15</a:t>
+            </a:r>
+            <a:endParaRPr lang="en-US" sz="3000" dirty="0" smtClean="0"/>
+          </a:p>
+          <a:p>
+            <a:r>
+              <a:rPr lang="en-US" dirty="0" smtClean="0"/>
               <a:t>Account name, repo name, description</a:t>
             </a:r>
           </a:p>
           <a:p>
             <a:r>
-              <a:rPr lang="en-US"/>
+              <a:rPr lang="en-US" dirty="0"/>
               <a:t>F</a:t>
             </a:r>
             <a:r>
-              <a:rPr lang="en-US" smtClean="0"/>
+              <a:rPr lang="en-US" dirty="0" smtClean="0"/>
               <a:t>older structure</a:t>
             </a:r>
           </a:p>
           <a:p>
             <a:r>
-              <a:rPr lang="en-US" smtClean="0"/>
+              <a:rPr lang="en-US" dirty="0" smtClean="0"/>
               <a:t>Viewing files:</a:t>
             </a:r>
           </a:p>
           <a:p>
             <a:pPr lvl="1"/>
             <a:r>
-              <a:rPr lang="en-US"/>
+              <a:rPr lang="en-US" dirty="0"/>
               <a:t>R</a:t>
             </a:r>
             <a:r>
-              <a:rPr lang="en-US" smtClean="0"/>
+              <a:rPr lang="en-US" dirty="0" smtClean="0"/>
               <a:t>endered view (with syntax highlighting)</a:t>
             </a:r>
           </a:p>
           <a:p>
             <a:pPr lvl="1"/>
             <a:r>
-              <a:rPr lang="en-US" smtClean="0"/>
+              <a:rPr lang="en-US" dirty="0" smtClean="0"/>
               <a:t>Raw view</a:t>
             </a:r>
           </a:p>
           <a:p>
             <a:r>
-              <a:rPr lang="en-US" smtClean="0"/>
-              <a:t>README.md:</a:t>
+              <a:rPr lang="en-US" dirty="0" err="1" smtClean="0"/>
+              <a:t>README.md</a:t>
+            </a:r>
+            <a:r>
+              <a:rPr lang="en-US" dirty="0" smtClean="0"/>
+              <a:t>:</a:t>
             </a:r>
           </a:p>
           <a:p>
             <a:pPr lvl="1"/>
             <a:r>
-              <a:rPr lang="en-US" smtClean="0"/>
+              <a:rPr lang="en-US" dirty="0" smtClean="0"/>
               <a:t>Describes a repo</a:t>
             </a:r>
           </a:p>
           <a:p>
             <a:pPr lvl="1"/>
             <a:r>
-              <a:rPr lang="en-US"/>
+              <a:rPr lang="en-US" dirty="0"/>
               <a:t>A</a:t>
             </a:r>
             <a:r>
-              <a:rPr lang="en-US" smtClean="0"/>
+              <a:rPr lang="en-US" dirty="0" smtClean="0"/>
               <a:t>utomatically displayed</a:t>
             </a:r>
           </a:p>
           <a:p>
             <a:pPr lvl="1"/>
             <a:r>
-              <a:rPr lang="en-US" smtClean="0"/>
+              <a:rPr lang="en-US" dirty="0" smtClean="0"/>
               <a:t>Written in Markdown</a:t>
             </a:r>
-            <a:endParaRPr lang="en-US"/>
+            <a:endParaRPr lang="en-US" dirty="0"/>
           </a:p>
         </p:txBody>
       </p:sp>
@@ -8418,7 +8613,7 @@
   <p:timing>
     <p:tnLst>
       <p:par>
-        <p:cTn id="1" dur="indefinite" restart="never" nodeType="tmRoot"/>
+        <p:cTn xmlns:p14="http://schemas.microsoft.com/office/powerpoint/2010/main" id="1" dur="indefinite" restart="never" nodeType="tmRoot"/>
       </p:par>
     </p:tnLst>
   </p:timing>
@@ -8706,4 +8901,324 @@
   <a:objectDefaults/>
   <a:extraClrSchemeLst/>
 </a:theme>
+</file>
+
+<file path=ppt/theme/theme2.xml><?xml version="1.0" encoding="utf-8"?>
+<a:theme xmlns:a="http://schemas.openxmlformats.org/drawingml/2006/main" name="Office Theme">
+  <a:themeElements>
+    <a:clrScheme name="Office">
+      <a:dk1>
+        <a:sysClr val="windowText" lastClr="000000"/>
+      </a:dk1>
+      <a:lt1>
+        <a:sysClr val="window" lastClr="FFFFFF"/>
+      </a:lt1>
+      <a:dk2>
+        <a:srgbClr val="1F497D"/>
+      </a:dk2>
+      <a:lt2>
+        <a:srgbClr val="EEECE1"/>
+      </a:lt2>
+      <a:accent1>
+        <a:srgbClr val="4F81BD"/>
+      </a:accent1>
+      <a:accent2>
+        <a:srgbClr val="C0504D"/>
+      </a:accent2>
+      <a:accent3>
+        <a:srgbClr val="9BBB59"/>
+      </a:accent3>
+      <a:accent4>
+        <a:srgbClr val="8064A2"/>
+      </a:accent4>
+      <a:accent5>
+        <a:srgbClr val="4BACC6"/>
+      </a:accent5>
+      <a:accent6>
+        <a:srgbClr val="F79646"/>
+      </a:accent6>
+      <a:hlink>
+        <a:srgbClr val="0000FF"/>
+      </a:hlink>
+      <a:folHlink>
+        <a:srgbClr val="800080"/>
+      </a:folHlink>
+    </a:clrScheme>
+    <a:fontScheme name="Office">
+      <a:majorFont>
+        <a:latin typeface="Calibri"/>
+        <a:ea typeface=""/>
+        <a:cs typeface=""/>
+        <a:font script="Jpan" typeface="ＭＳ Ｐゴシック"/>
+        <a:font script="Hang" typeface="맑은 고딕"/>
+        <a:font script="Hans" typeface="宋体"/>
+        <a:font script="Hant" typeface="新細明體"/>
+        <a:font script="Arab" typeface="Times New Roman"/>
+        <a:font script="Hebr" typeface="Times New Roman"/>
+        <a:font script="Thai" typeface="Angsana New"/>
+        <a:font script="Ethi" typeface="Nyala"/>
+        <a:font script="Beng" typeface="Vrinda"/>
+        <a:font script="Gujr" typeface="Shruti"/>
+        <a:font script="Khmr" typeface="MoolBoran"/>
+        <a:font script="Knda" typeface="Tunga"/>
+        <a:font script="Guru" typeface="Raavi"/>
+        <a:font script="Cans" typeface="Euphemia"/>
+        <a:font script="Cher" typeface="Plantagenet Cherokee"/>
+        <a:font script="Yiii" typeface="Microsoft Yi Baiti"/>
+        <a:font script="Tibt" typeface="Microsoft Himalaya"/>
+        <a:font script="Thaa" typeface="MV Boli"/>
+        <a:font script="Deva" typeface="Mangal"/>
+        <a:font script="Telu" typeface="Gautami"/>
+        <a:font script="Taml" typeface="Latha"/>
+        <a:font script="Syrc" typeface="Estrangelo Edessa"/>
+        <a:font script="Orya" typeface="Kalinga"/>
+        <a:font script="Mlym" typeface="Kartika"/>
+        <a:font script="Laoo" typeface="DokChampa"/>
+        <a:font script="Sinh" typeface="Iskoola Pota"/>
+        <a:font script="Mong" typeface="Mongolian Baiti"/>
+        <a:font script="Viet" typeface="Times New Roman"/>
+        <a:font script="Uigh" typeface="Microsoft Uighur"/>
+        <a:font script="Geor" typeface="Sylfaen"/>
+      </a:majorFont>
+      <a:minorFont>
+        <a:latin typeface="Calibri"/>
+        <a:ea typeface=""/>
+        <a:cs typeface=""/>
+        <a:font script="Jpan" typeface="ＭＳ Ｐゴシック"/>
+        <a:font script="Hang" typeface="맑은 고딕"/>
+        <a:font script="Hans" typeface="宋体"/>
+        <a:font script="Hant" typeface="新細明體"/>
+        <a:font script="Arab" typeface="Arial"/>
+        <a:font script="Hebr" typeface="Arial"/>
+        <a:font script="Thai" typeface="Cordia New"/>
+        <a:font script="Ethi" typeface="Nyala"/>
+        <a:font script="Beng" typeface="Vrinda"/>
+        <a:font script="Gujr" typeface="Shruti"/>
+        <a:font script="Khmr" typeface="DaunPenh"/>
+        <a:font script="Knda" typeface="Tunga"/>
+        <a:font script="Guru" typeface="Raavi"/>
+        <a:font script="Cans" typeface="Euphemia"/>
+        <a:font script="Cher" typeface="Plantagenet Cherokee"/>
+        <a:font script="Yiii" typeface="Microsoft Yi Baiti"/>
+        <a:font script="Tibt" typeface="Microsoft Himalaya"/>
+        <a:font script="Thaa" typeface="MV Boli"/>
+        <a:font script="Deva" typeface="Mangal"/>
+        <a:font script="Telu" typeface="Gautami"/>
+        <a:font script="Taml" typeface="Latha"/>
+        <a:font script="Syrc" typeface="Estrangelo Edessa"/>
+        <a:font script="Orya" typeface="Kalinga"/>
+        <a:font script="Mlym" typeface="Kartika"/>
+        <a:font script="Laoo" typeface="DokChampa"/>
+        <a:font script="Sinh" typeface="Iskoola Pota"/>
+        <a:font script="Mong" typeface="Mongolian Baiti"/>
+        <a:font script="Viet" typeface="Arial"/>
+        <a:font script="Uigh" typeface="Microsoft Uighur"/>
+        <a:font script="Geor" typeface="Sylfaen"/>
+      </a:minorFont>
+    </a:fontScheme>
+    <a:fmtScheme name="Office">
+      <a:fillStyleLst>
+        <a:solidFill>
+          <a:schemeClr val="phClr"/>
+        </a:solidFill>
+        <a:gradFill rotWithShape="1">
+          <a:gsLst>
+            <a:gs pos="0">
+              <a:schemeClr val="phClr">
+                <a:tint val="50000"/>
+                <a:satMod val="300000"/>
+              </a:schemeClr>
+            </a:gs>
+            <a:gs pos="35000">
+              <a:schemeClr val="phClr">
+                <a:tint val="37000"/>
+                <a:satMod val="300000"/>
+              </a:schemeClr>
+            </a:gs>
+            <a:gs pos="100000">
+              <a:schemeClr val="phClr">
+                <a:tint val="15000"/>
+                <a:satMod val="350000"/>
+              </a:schemeClr>
+            </a:gs>
+          </a:gsLst>
+          <a:lin ang="16200000" scaled="1"/>
+        </a:gradFill>
+        <a:gradFill rotWithShape="1">
+          <a:gsLst>
+            <a:gs pos="0">
+              <a:schemeClr val="phClr">
+                <a:tint val="100000"/>
+                <a:shade val="100000"/>
+                <a:satMod val="130000"/>
+              </a:schemeClr>
+            </a:gs>
+            <a:gs pos="100000">
+              <a:schemeClr val="phClr">
+                <a:tint val="50000"/>
+                <a:shade val="100000"/>
+                <a:satMod val="350000"/>
+              </a:schemeClr>
+            </a:gs>
+          </a:gsLst>
+          <a:lin ang="16200000" scaled="0"/>
+        </a:gradFill>
+      </a:fillStyleLst>
+      <a:lnStyleLst>
+        <a:ln w="9525" cap="flat" cmpd="sng" algn="ctr">
+          <a:solidFill>
+            <a:schemeClr val="phClr">
+              <a:shade val="95000"/>
+              <a:satMod val="105000"/>
+            </a:schemeClr>
+          </a:solidFill>
+          <a:prstDash val="solid"/>
+        </a:ln>
+        <a:ln w="25400" cap="flat" cmpd="sng" algn="ctr">
+          <a:solidFill>
+            <a:schemeClr val="phClr"/>
+          </a:solidFill>
+          <a:prstDash val="solid"/>
+        </a:ln>
+        <a:ln w="38100" cap="flat" cmpd="sng" algn="ctr">
+          <a:solidFill>
+            <a:schemeClr val="phClr"/>
+          </a:solidFill>
+          <a:prstDash val="solid"/>
+        </a:ln>
+      </a:lnStyleLst>
+      <a:effectStyleLst>
+        <a:effectStyle>
+          <a:effectLst>
+            <a:outerShdw blurRad="40000" dist="20000" dir="5400000" rotWithShape="0">
+              <a:srgbClr val="000000">
+                <a:alpha val="38000"/>
+              </a:srgbClr>
+            </a:outerShdw>
+          </a:effectLst>
+        </a:effectStyle>
+        <a:effectStyle>
+          <a:effectLst>
+            <a:outerShdw blurRad="40000" dist="23000" dir="5400000" rotWithShape="0">
+              <a:srgbClr val="000000">
+                <a:alpha val="35000"/>
+              </a:srgbClr>
+            </a:outerShdw>
+          </a:effectLst>
+        </a:effectStyle>
+        <a:effectStyle>
+          <a:effectLst>
+            <a:outerShdw blurRad="40000" dist="23000" dir="5400000" rotWithShape="0">
+              <a:srgbClr val="000000">
+                <a:alpha val="35000"/>
+              </a:srgbClr>
+            </a:outerShdw>
+          </a:effectLst>
+          <a:scene3d>
+            <a:camera prst="orthographicFront">
+              <a:rot lat="0" lon="0" rev="0"/>
+            </a:camera>
+            <a:lightRig rig="threePt" dir="t">
+              <a:rot lat="0" lon="0" rev="1200000"/>
+            </a:lightRig>
+          </a:scene3d>
+          <a:sp3d>
+            <a:bevelT w="63500" h="25400"/>
+          </a:sp3d>
+        </a:effectStyle>
+      </a:effectStyleLst>
+      <a:bgFillStyleLst>
+        <a:solidFill>
+          <a:schemeClr val="phClr"/>
+        </a:solidFill>
+        <a:gradFill rotWithShape="1">
+          <a:gsLst>
+            <a:gs pos="0">
+              <a:schemeClr val="phClr">
+                <a:tint val="40000"/>
+                <a:satMod val="350000"/>
+              </a:schemeClr>
+            </a:gs>
+            <a:gs pos="40000">
+              <a:schemeClr val="phClr">
+                <a:tint val="45000"/>
+                <a:shade val="99000"/>
+                <a:satMod val="350000"/>
+              </a:schemeClr>
+            </a:gs>
+            <a:gs pos="100000">
+              <a:schemeClr val="phClr">
+                <a:shade val="20000"/>
+                <a:satMod val="255000"/>
+              </a:schemeClr>
+            </a:gs>
+          </a:gsLst>
+          <a:path path="circle">
+            <a:fillToRect l="50000" t="-80000" r="50000" b="180000"/>
+          </a:path>
+        </a:gradFill>
+        <a:gradFill rotWithShape="1">
+          <a:gsLst>
+            <a:gs pos="0">
+              <a:schemeClr val="phClr">
+                <a:tint val="80000"/>
+                <a:satMod val="300000"/>
+              </a:schemeClr>
+            </a:gs>
+            <a:gs pos="100000">
+              <a:schemeClr val="phClr">
+                <a:shade val="30000"/>
+                <a:satMod val="200000"/>
+              </a:schemeClr>
+            </a:gs>
+          </a:gsLst>
+          <a:path path="circle">
+            <a:fillToRect l="50000" t="50000" r="50000" b="50000"/>
+          </a:path>
+        </a:gradFill>
+      </a:bgFillStyleLst>
+    </a:fmtScheme>
+  </a:themeElements>
+  <a:objectDefaults>
+    <a:spDef>
+      <a:spPr/>
+      <a:bodyPr/>
+      <a:lstStyle/>
+      <a:style>
+        <a:lnRef idx="1">
+          <a:schemeClr val="accent1"/>
+        </a:lnRef>
+        <a:fillRef idx="3">
+          <a:schemeClr val="accent1"/>
+        </a:fillRef>
+        <a:effectRef idx="2">
+          <a:schemeClr val="accent1"/>
+        </a:effectRef>
+        <a:fontRef idx="minor">
+          <a:schemeClr val="lt1"/>
+        </a:fontRef>
+      </a:style>
+    </a:spDef>
+    <a:lnDef>
+      <a:spPr/>
+      <a:bodyPr/>
+      <a:lstStyle/>
+      <a:style>
+        <a:lnRef idx="2">
+          <a:schemeClr val="accent1"/>
+        </a:lnRef>
+        <a:fillRef idx="0">
+          <a:schemeClr val="accent1"/>
+        </a:fillRef>
+        <a:effectRef idx="1">
+          <a:schemeClr val="accent1"/>
+        </a:effectRef>
+        <a:fontRef idx="minor">
+          <a:schemeClr val="tx1"/>
+        </a:fontRef>
+      </a:style>
+    </a:lnDef>
+  </a:objectDefaults>
+  <a:extraClrSchemeLst/>
+</a:theme>
 </file>